--- a/presentation/apresentação.pptx
+++ b/presentation/apresentação.pptx
@@ -7,16 +7,21 @@
     <p:sldMasterId id="2147483660" r:id="rId3"/>
   </p:sldMasterIdLst>
   <p:sldIdLst>
-    <p:sldId id="263" r:id="rId4"/>
-    <p:sldId id="265" r:id="rId5"/>
-    <p:sldId id="262" r:id="rId6"/>
-    <p:sldId id="266" r:id="rId7"/>
-    <p:sldId id="267" r:id="rId8"/>
-    <p:sldId id="271" r:id="rId9"/>
-    <p:sldId id="268" r:id="rId10"/>
-    <p:sldId id="269" r:id="rId11"/>
-    <p:sldId id="270" r:id="rId12"/>
-    <p:sldId id="264" r:id="rId13"/>
+    <p:sldId id="265" r:id="rId4"/>
+    <p:sldId id="262" r:id="rId5"/>
+    <p:sldId id="266" r:id="rId6"/>
+    <p:sldId id="279" r:id="rId7"/>
+    <p:sldId id="278" r:id="rId8"/>
+    <p:sldId id="274" r:id="rId9"/>
+    <p:sldId id="275" r:id="rId10"/>
+    <p:sldId id="272" r:id="rId11"/>
+    <p:sldId id="273" r:id="rId12"/>
+    <p:sldId id="277" r:id="rId13"/>
+    <p:sldId id="276" r:id="rId14"/>
+    <p:sldId id="268" r:id="rId15"/>
+    <p:sldId id="269" r:id="rId16"/>
+    <p:sldId id="270" r:id="rId17"/>
+    <p:sldId id="264" r:id="rId18"/>
   </p:sldIdLst>
   <p:sldSz cx="9144000" cy="6858000" type="screen4x3"/>
   <p:notesSz cx="6858000" cy="9144000"/>
@@ -120,7 +125,6 @@
       <p14:sectionLst xmlns:p14="http://schemas.microsoft.com/office/powerpoint/2010/main">
         <p14:section name="CAPA" id="{D656E509-0459-448F-8A6E-318C28770D03}">
           <p14:sldIdLst>
-            <p14:sldId id="263"/>
             <p14:sldId id="265"/>
           </p14:sldIdLst>
         </p14:section>
@@ -128,8 +132,14 @@
           <p14:sldIdLst>
             <p14:sldId id="262"/>
             <p14:sldId id="266"/>
-            <p14:sldId id="267"/>
-            <p14:sldId id="271"/>
+            <p14:sldId id="279"/>
+            <p14:sldId id="278"/>
+            <p14:sldId id="274"/>
+            <p14:sldId id="275"/>
+            <p14:sldId id="272"/>
+            <p14:sldId id="273"/>
+            <p14:sldId id="277"/>
+            <p14:sldId id="276"/>
             <p14:sldId id="268"/>
             <p14:sldId id="269"/>
             <p14:sldId id="270"/>
@@ -289,7 +299,7 @@
           <a:p>
             <a:fld id="{C88D39F9-705D-4517-BD9B-73C7BC0EC39B}" type="datetimeFigureOut">
               <a:rPr lang="pt-BR" smtClean="0"/>
-              <a:t>07/05/2024</a:t>
+              <a:t>17/06/2024</a:t>
             </a:fld>
             <a:endParaRPr lang="pt-BR"/>
           </a:p>
@@ -457,7 +467,7 @@
           <a:p>
             <a:fld id="{C88D39F9-705D-4517-BD9B-73C7BC0EC39B}" type="datetimeFigureOut">
               <a:rPr lang="pt-BR" smtClean="0"/>
-              <a:t>07/05/2024</a:t>
+              <a:t>17/06/2024</a:t>
             </a:fld>
             <a:endParaRPr lang="pt-BR"/>
           </a:p>
@@ -635,7 +645,7 @@
           <a:p>
             <a:fld id="{C88D39F9-705D-4517-BD9B-73C7BC0EC39B}" type="datetimeFigureOut">
               <a:rPr lang="pt-BR" smtClean="0"/>
-              <a:t>07/05/2024</a:t>
+              <a:t>17/06/2024</a:t>
             </a:fld>
             <a:endParaRPr lang="pt-BR"/>
           </a:p>
@@ -730,7 +740,7 @@
           <a:p>
             <a:fld id="{F62BA03A-8F7B-48B9-948C-9BE7447C3849}" type="datetimeFigureOut">
               <a:rPr lang="pt-BR" smtClean="0"/>
-              <a:t>07/05/2024</a:t>
+              <a:t>17/06/2024</a:t>
             </a:fld>
             <a:endParaRPr lang="pt-BR"/>
           </a:p>
@@ -825,7 +835,7 @@
           <a:p>
             <a:fld id="{0BDB10B8-3662-478E-B4CB-4FF99F69FEFA}" type="datetimeFigureOut">
               <a:rPr lang="pt-BR" smtClean="0"/>
-              <a:t>07/05/2024</a:t>
+              <a:t>17/06/2024</a:t>
             </a:fld>
             <a:endParaRPr lang="pt-BR"/>
           </a:p>
@@ -993,7 +1003,7 @@
           <a:p>
             <a:fld id="{C88D39F9-705D-4517-BD9B-73C7BC0EC39B}" type="datetimeFigureOut">
               <a:rPr lang="pt-BR" smtClean="0"/>
-              <a:t>07/05/2024</a:t>
+              <a:t>17/06/2024</a:t>
             </a:fld>
             <a:endParaRPr lang="pt-BR"/>
           </a:p>
@@ -1238,7 +1248,7 @@
           <a:p>
             <a:fld id="{C88D39F9-705D-4517-BD9B-73C7BC0EC39B}" type="datetimeFigureOut">
               <a:rPr lang="pt-BR" smtClean="0"/>
-              <a:t>07/05/2024</a:t>
+              <a:t>17/06/2024</a:t>
             </a:fld>
             <a:endParaRPr lang="pt-BR"/>
           </a:p>
@@ -1467,7 +1477,7 @@
           <a:p>
             <a:fld id="{C88D39F9-705D-4517-BD9B-73C7BC0EC39B}" type="datetimeFigureOut">
               <a:rPr lang="pt-BR" smtClean="0"/>
-              <a:t>07/05/2024</a:t>
+              <a:t>17/06/2024</a:t>
             </a:fld>
             <a:endParaRPr lang="pt-BR"/>
           </a:p>
@@ -1831,7 +1841,7 @@
           <a:p>
             <a:fld id="{C88D39F9-705D-4517-BD9B-73C7BC0EC39B}" type="datetimeFigureOut">
               <a:rPr lang="pt-BR" smtClean="0"/>
-              <a:t>07/05/2024</a:t>
+              <a:t>17/06/2024</a:t>
             </a:fld>
             <a:endParaRPr lang="pt-BR"/>
           </a:p>
@@ -1948,7 +1958,7 @@
           <a:p>
             <a:fld id="{C88D39F9-705D-4517-BD9B-73C7BC0EC39B}" type="datetimeFigureOut">
               <a:rPr lang="pt-BR" smtClean="0"/>
-              <a:t>07/05/2024</a:t>
+              <a:t>17/06/2024</a:t>
             </a:fld>
             <a:endParaRPr lang="pt-BR"/>
           </a:p>
@@ -2043,7 +2053,7 @@
           <a:p>
             <a:fld id="{C88D39F9-705D-4517-BD9B-73C7BC0EC39B}" type="datetimeFigureOut">
               <a:rPr lang="pt-BR" smtClean="0"/>
-              <a:t>07/05/2024</a:t>
+              <a:t>17/06/2024</a:t>
             </a:fld>
             <a:endParaRPr lang="pt-BR"/>
           </a:p>
@@ -2318,7 +2328,7 @@
           <a:p>
             <a:fld id="{C88D39F9-705D-4517-BD9B-73C7BC0EC39B}" type="datetimeFigureOut">
               <a:rPr lang="pt-BR" smtClean="0"/>
-              <a:t>07/05/2024</a:t>
+              <a:t>17/06/2024</a:t>
             </a:fld>
             <a:endParaRPr lang="pt-BR"/>
           </a:p>
@@ -2573,7 +2583,7 @@
           <a:p>
             <a:fld id="{C88D39F9-705D-4517-BD9B-73C7BC0EC39B}" type="datetimeFigureOut">
               <a:rPr lang="pt-BR" smtClean="0"/>
-              <a:t>07/05/2024</a:t>
+              <a:t>17/06/2024</a:t>
             </a:fld>
             <a:endParaRPr lang="pt-BR"/>
           </a:p>
@@ -2793,7 +2803,7 @@
           <a:p>
             <a:fld id="{C88D39F9-705D-4517-BD9B-73C7BC0EC39B}" type="datetimeFigureOut">
               <a:rPr lang="pt-BR" smtClean="0"/>
-              <a:t>07/05/2024</a:t>
+              <a:t>17/06/2024</a:t>
             </a:fld>
             <a:endParaRPr lang="pt-BR"/>
           </a:p>
@@ -3247,7 +3257,7 @@
           <a:p>
             <a:fld id="{F62BA03A-8F7B-48B9-948C-9BE7447C3849}" type="datetimeFigureOut">
               <a:rPr lang="pt-BR" smtClean="0"/>
-              <a:t>07/05/2024</a:t>
+              <a:t>17/06/2024</a:t>
             </a:fld>
             <a:endParaRPr lang="pt-BR"/>
           </a:p>
@@ -3691,7 +3701,7 @@
           <a:p>
             <a:fld id="{0BDB10B8-3662-478E-B4CB-4FF99F69FEFA}" type="datetimeFigureOut">
               <a:rPr lang="pt-BR" smtClean="0"/>
-              <a:t>07/05/2024</a:t>
+              <a:t>17/06/2024</a:t>
             </a:fld>
             <a:endParaRPr lang="pt-BR"/>
           </a:p>
@@ -4086,10 +4096,137 @@
           <a:chExt cx="0" cy="0"/>
         </a:xfrm>
       </p:grpSpPr>
+      <p:sp>
+        <p:nvSpPr>
+          <p:cNvPr id="2" name="Título 1">
+            <a:extLst>
+              <a:ext uri="{FF2B5EF4-FFF2-40B4-BE49-F238E27FC236}">
+                <a16:creationId xmlns:a16="http://schemas.microsoft.com/office/drawing/2014/main" id="{DEDD2145-8992-6FAE-F3F9-AF50C23FDE3E}"/>
+              </a:ext>
+            </a:extLst>
+          </p:cNvPr>
+          <p:cNvSpPr>
+            <a:spLocks noGrp="1"/>
+          </p:cNvSpPr>
+          <p:nvPr>
+            <p:ph type="ctrTitle"/>
+          </p:nvPr>
+        </p:nvSpPr>
+        <p:spPr>
+          <a:xfrm>
+            <a:off x="1143000" y="614680"/>
+            <a:ext cx="6858000" cy="3555683"/>
+          </a:xfrm>
+        </p:spPr>
+        <p:txBody>
+          <a:bodyPr>
+            <a:normAutofit/>
+          </a:bodyPr>
+          <a:lstStyle/>
+          <a:p>
+            <a:r>
+              <a:rPr lang="pt-BR" b="0" dirty="0">
+                <a:effectLst/>
+              </a:rPr>
+              <a:t>Um Sistema para a Visualização de Anomalias e Falhas em Turbinas Eólicas - Caso de Estudo</a:t>
+            </a:r>
+            <a:br>
+              <a:rPr lang="en-US" b="0" dirty="0">
+                <a:effectLst/>
+                <a:highlight>
+                  <a:srgbClr val="1F1F1F"/>
+                </a:highlight>
+                <a:latin typeface="Consolas" panose="020B0609020204030204" pitchFamily="49" charset="0"/>
+              </a:rPr>
+            </a:br>
+            <a:endParaRPr lang="pt-BR" dirty="0"/>
+          </a:p>
+        </p:txBody>
+      </p:sp>
+      <p:sp>
+        <p:nvSpPr>
+          <p:cNvPr id="3" name="Subtítulo 2">
+            <a:extLst>
+              <a:ext uri="{FF2B5EF4-FFF2-40B4-BE49-F238E27FC236}">
+                <a16:creationId xmlns:a16="http://schemas.microsoft.com/office/drawing/2014/main" id="{6DA5689E-B7D5-2393-4DB6-9AF66C957431}"/>
+              </a:ext>
+            </a:extLst>
+          </p:cNvPr>
+          <p:cNvSpPr>
+            <a:spLocks noGrp="1"/>
+          </p:cNvSpPr>
+          <p:nvPr>
+            <p:ph type="subTitle" idx="1"/>
+          </p:nvPr>
+        </p:nvSpPr>
+        <p:spPr>
+          <a:xfrm>
+            <a:off x="1143000" y="4587558"/>
+            <a:ext cx="6858000" cy="1655762"/>
+          </a:xfrm>
+        </p:spPr>
+        <p:txBody>
+          <a:bodyPr/>
+          <a:lstStyle/>
+          <a:p>
+            <a:r>
+              <a:rPr lang="pt-BR" dirty="0"/>
+              <a:t>Nome: Carlos Henrique Tavares </a:t>
+            </a:r>
+            <a:r>
+              <a:rPr lang="pt-BR" dirty="0" err="1"/>
+              <a:t>Brumatti</a:t>
+            </a:r>
+            <a:endParaRPr lang="pt-BR" dirty="0"/>
+          </a:p>
+          <a:p>
+            <a:r>
+              <a:rPr lang="pt-BR" dirty="0"/>
+              <a:t>Matrícula: 81853</a:t>
+            </a:r>
+          </a:p>
+        </p:txBody>
+      </p:sp>
+      <p:pic>
+        <p:nvPicPr>
+          <p:cNvPr id="8" name="Imagem 7" descr="Código QR&#10;&#10;Descrição gerada automaticamente">
+            <a:extLst>
+              <a:ext uri="{FF2B5EF4-FFF2-40B4-BE49-F238E27FC236}">
+                <a16:creationId xmlns:a16="http://schemas.microsoft.com/office/drawing/2014/main" id="{A5C1F722-F518-810C-9DC3-78079D711C6C}"/>
+              </a:ext>
+            </a:extLst>
+          </p:cNvPr>
+          <p:cNvPicPr>
+            <a:picLocks noChangeAspect="1"/>
+          </p:cNvPicPr>
+          <p:nvPr/>
+        </p:nvPicPr>
+        <p:blipFill>
+          <a:blip r:embed="rId2" cstate="print">
+            <a:extLst>
+              <a:ext uri="{28A0092B-C50C-407E-A947-70E740481C1C}">
+                <a14:useLocalDpi xmlns:a14="http://schemas.microsoft.com/office/drawing/2010/main" val="0"/>
+              </a:ext>
+            </a:extLst>
+          </a:blip>
+          <a:stretch>
+            <a:fillRect/>
+          </a:stretch>
+        </p:blipFill>
+        <p:spPr>
+          <a:xfrm>
+            <a:off x="110262" y="5212080"/>
+            <a:ext cx="1221230" cy="1230067"/>
+          </a:xfrm>
+          <a:prstGeom prst="rect">
+            <a:avLst/>
+          </a:prstGeom>
+        </p:spPr>
+      </p:pic>
     </p:spTree>
     <p:extLst>
       <p:ext uri="{BB962C8B-B14F-4D97-AF65-F5344CB8AC3E}">
-        <p14:creationId xmlns:p14="http://schemas.microsoft.com/office/powerpoint/2010/main" val="929600833"/>
+        <p14:creationId xmlns:p14="http://schemas.microsoft.com/office/powerpoint/2010/main" val="1596022806"/>
       </p:ext>
     </p:extLst>
   </p:cSld>
@@ -4100,6 +4237,676 @@
 </file>
 
 <file path=ppt/slides/slide10.xml><?xml version="1.0" encoding="utf-8"?>
+<p:sld xmlns:a="http://schemas.openxmlformats.org/drawingml/2006/main" xmlns:r="http://schemas.openxmlformats.org/officeDocument/2006/relationships" xmlns:p="http://schemas.openxmlformats.org/presentationml/2006/main">
+  <p:cSld>
+    <p:spTree>
+      <p:nvGrpSpPr>
+        <p:cNvPr id="1" name=""/>
+        <p:cNvGrpSpPr/>
+        <p:nvPr/>
+      </p:nvGrpSpPr>
+      <p:grpSpPr>
+        <a:xfrm>
+          <a:off x="0" y="0"/>
+          <a:ext cx="0" cy="0"/>
+          <a:chOff x="0" y="0"/>
+          <a:chExt cx="0" cy="0"/>
+        </a:xfrm>
+      </p:grpSpPr>
+      <p:sp>
+        <p:nvSpPr>
+          <p:cNvPr id="2" name="Título 1">
+            <a:extLst>
+              <a:ext uri="{FF2B5EF4-FFF2-40B4-BE49-F238E27FC236}">
+                <a16:creationId xmlns:a16="http://schemas.microsoft.com/office/drawing/2014/main" id="{53CE1CBD-F776-787D-270B-482B3F3DB6E6}"/>
+              </a:ext>
+            </a:extLst>
+          </p:cNvPr>
+          <p:cNvSpPr>
+            <a:spLocks noGrp="1"/>
+          </p:cNvSpPr>
+          <p:nvPr>
+            <p:ph type="title"/>
+          </p:nvPr>
+        </p:nvSpPr>
+        <p:spPr/>
+        <p:txBody>
+          <a:bodyPr/>
+          <a:lstStyle/>
+          <a:p>
+            <a:r>
+              <a:rPr lang="pt-BR" dirty="0"/>
+              <a:t>1- Introdução</a:t>
+            </a:r>
+          </a:p>
+        </p:txBody>
+      </p:sp>
+      <p:sp>
+        <p:nvSpPr>
+          <p:cNvPr id="3" name="Espaço Reservado para Conteúdo 2">
+            <a:extLst>
+              <a:ext uri="{FF2B5EF4-FFF2-40B4-BE49-F238E27FC236}">
+                <a16:creationId xmlns:a16="http://schemas.microsoft.com/office/drawing/2014/main" id="{150E3E43-1D00-52DB-69B4-EF22AFE3E925}"/>
+              </a:ext>
+            </a:extLst>
+          </p:cNvPr>
+          <p:cNvSpPr>
+            <a:spLocks noGrp="1"/>
+          </p:cNvSpPr>
+          <p:nvPr>
+            <p:ph idx="1"/>
+          </p:nvPr>
+        </p:nvSpPr>
+        <p:spPr/>
+        <p:txBody>
+          <a:bodyPr/>
+          <a:lstStyle/>
+          <a:p>
+            <a:r>
+              <a:rPr lang="pt-BR" dirty="0"/>
+              <a:t>Conjunto de dados: </a:t>
+            </a:r>
+            <a:r>
+              <a:rPr lang="pt-BR" dirty="0">
+                <a:hlinkClick r:id="rId2"/>
+              </a:rPr>
+              <a:t>https://www.kaggle.com/datasets/berkerisen/wind-turbine-scada-dataset</a:t>
+            </a:r>
+            <a:endParaRPr lang="pt-BR" dirty="0"/>
+          </a:p>
+          <a:p>
+            <a:pPr marL="457200" indent="-457200">
+              <a:buFont typeface="+mj-lt"/>
+              <a:buAutoNum type="arabicPeriod"/>
+            </a:pPr>
+            <a:r>
+              <a:rPr lang="pt-BR" dirty="0"/>
+              <a:t>Date/Time  (Coleta dos dados em um intervalo de 10 minutos, ao longo do ano de 2018, para uma turbina eólica localizada na Turquia)</a:t>
+            </a:r>
+          </a:p>
+          <a:p>
+            <a:pPr marL="457200" indent="-457200">
+              <a:buFont typeface="+mj-lt"/>
+              <a:buAutoNum type="arabicPeriod"/>
+            </a:pPr>
+            <a:r>
+              <a:rPr lang="pt-BR" dirty="0"/>
+              <a:t>LV Active Power (kW) </a:t>
+            </a:r>
+          </a:p>
+          <a:p>
+            <a:pPr marL="457200" indent="-457200">
+              <a:buFont typeface="+mj-lt"/>
+              <a:buAutoNum type="arabicPeriod"/>
+            </a:pPr>
+            <a:r>
+              <a:rPr lang="pt-BR" dirty="0"/>
+              <a:t>Wind </a:t>
+            </a:r>
+            <a:r>
+              <a:rPr lang="pt-BR" dirty="0" err="1"/>
+              <a:t>Speed</a:t>
+            </a:r>
+            <a:r>
+              <a:rPr lang="pt-BR" dirty="0"/>
+              <a:t> (m/s)</a:t>
+            </a:r>
+          </a:p>
+          <a:p>
+            <a:pPr marL="457200" indent="-457200">
+              <a:buFont typeface="+mj-lt"/>
+              <a:buAutoNum type="arabicPeriod"/>
+            </a:pPr>
+            <a:r>
+              <a:rPr lang="pt-BR" dirty="0" err="1"/>
+              <a:t>Theorical</a:t>
+            </a:r>
+            <a:r>
+              <a:rPr lang="pt-BR" dirty="0"/>
+              <a:t> Power Curve (KWh) </a:t>
+            </a:r>
+          </a:p>
+          <a:p>
+            <a:pPr marL="457200" indent="-457200">
+              <a:buFont typeface="+mj-lt"/>
+              <a:buAutoNum type="arabicPeriod"/>
+            </a:pPr>
+            <a:r>
+              <a:rPr lang="pt-BR" dirty="0"/>
+              <a:t>Wind Direction (°)</a:t>
+            </a:r>
+          </a:p>
+          <a:p>
+            <a:endParaRPr lang="pt-BR" dirty="0"/>
+          </a:p>
+        </p:txBody>
+      </p:sp>
+      <p:pic>
+        <p:nvPicPr>
+          <p:cNvPr id="4" name="Imagem 3" descr="Código QR&#10;&#10;Descrição gerada automaticamente">
+            <a:extLst>
+              <a:ext uri="{FF2B5EF4-FFF2-40B4-BE49-F238E27FC236}">
+                <a16:creationId xmlns:a16="http://schemas.microsoft.com/office/drawing/2014/main" id="{0650AF1B-C885-6AA4-D407-9B2530135E9D}"/>
+              </a:ext>
+            </a:extLst>
+          </p:cNvPr>
+          <p:cNvPicPr>
+            <a:picLocks noChangeAspect="1"/>
+          </p:cNvPicPr>
+          <p:nvPr/>
+        </p:nvPicPr>
+        <p:blipFill>
+          <a:blip r:embed="rId3" cstate="print">
+            <a:extLst>
+              <a:ext uri="{28A0092B-C50C-407E-A947-70E740481C1C}">
+                <a14:useLocalDpi xmlns:a14="http://schemas.microsoft.com/office/drawing/2010/main" val="0"/>
+              </a:ext>
+            </a:extLst>
+          </a:blip>
+          <a:stretch>
+            <a:fillRect/>
+          </a:stretch>
+        </p:blipFill>
+        <p:spPr>
+          <a:xfrm>
+            <a:off x="110262" y="5212080"/>
+            <a:ext cx="1221230" cy="1230067"/>
+          </a:xfrm>
+          <a:prstGeom prst="rect">
+            <a:avLst/>
+          </a:prstGeom>
+        </p:spPr>
+      </p:pic>
+    </p:spTree>
+    <p:extLst>
+      <p:ext uri="{BB962C8B-B14F-4D97-AF65-F5344CB8AC3E}">
+        <p14:creationId xmlns:p14="http://schemas.microsoft.com/office/powerpoint/2010/main" val="179857315"/>
+      </p:ext>
+    </p:extLst>
+  </p:cSld>
+  <p:clrMapOvr>
+    <a:masterClrMapping/>
+  </p:clrMapOvr>
+</p:sld>
+</file>
+
+<file path=ppt/slides/slide11.xml><?xml version="1.0" encoding="utf-8"?>
+<p:sld xmlns:a="http://schemas.openxmlformats.org/drawingml/2006/main" xmlns:r="http://schemas.openxmlformats.org/officeDocument/2006/relationships" xmlns:p="http://schemas.openxmlformats.org/presentationml/2006/main">
+  <p:cSld>
+    <p:spTree>
+      <p:nvGrpSpPr>
+        <p:cNvPr id="1" name=""/>
+        <p:cNvGrpSpPr/>
+        <p:nvPr/>
+      </p:nvGrpSpPr>
+      <p:grpSpPr>
+        <a:xfrm>
+          <a:off x="0" y="0"/>
+          <a:ext cx="0" cy="0"/>
+          <a:chOff x="0" y="0"/>
+          <a:chExt cx="0" cy="0"/>
+        </a:xfrm>
+      </p:grpSpPr>
+      <p:sp>
+        <p:nvSpPr>
+          <p:cNvPr id="2" name="Título 1">
+            <a:extLst>
+              <a:ext uri="{FF2B5EF4-FFF2-40B4-BE49-F238E27FC236}">
+                <a16:creationId xmlns:a16="http://schemas.microsoft.com/office/drawing/2014/main" id="{53CE1CBD-F776-787D-270B-482B3F3DB6E6}"/>
+              </a:ext>
+            </a:extLst>
+          </p:cNvPr>
+          <p:cNvSpPr>
+            <a:spLocks noGrp="1"/>
+          </p:cNvSpPr>
+          <p:nvPr>
+            <p:ph type="title"/>
+          </p:nvPr>
+        </p:nvSpPr>
+        <p:spPr/>
+        <p:txBody>
+          <a:bodyPr/>
+          <a:lstStyle/>
+          <a:p>
+            <a:r>
+              <a:rPr lang="pt-BR" dirty="0"/>
+              <a:t>1- Introdução</a:t>
+            </a:r>
+          </a:p>
+        </p:txBody>
+      </p:sp>
+      <p:sp>
+        <p:nvSpPr>
+          <p:cNvPr id="3" name="Espaço Reservado para Conteúdo 2">
+            <a:extLst>
+              <a:ext uri="{FF2B5EF4-FFF2-40B4-BE49-F238E27FC236}">
+                <a16:creationId xmlns:a16="http://schemas.microsoft.com/office/drawing/2014/main" id="{150E3E43-1D00-52DB-69B4-EF22AFE3E925}"/>
+              </a:ext>
+            </a:extLst>
+          </p:cNvPr>
+          <p:cNvSpPr>
+            <a:spLocks noGrp="1"/>
+          </p:cNvSpPr>
+          <p:nvPr>
+            <p:ph idx="1"/>
+          </p:nvPr>
+        </p:nvSpPr>
+        <p:spPr/>
+        <p:txBody>
+          <a:bodyPr/>
+          <a:lstStyle/>
+          <a:p>
+            <a:endParaRPr lang="pt-BR" dirty="0"/>
+          </a:p>
+        </p:txBody>
+      </p:sp>
+      <p:pic>
+        <p:nvPicPr>
+          <p:cNvPr id="4" name="Imagem 3" descr="Código QR&#10;&#10;Descrição gerada automaticamente">
+            <a:extLst>
+              <a:ext uri="{FF2B5EF4-FFF2-40B4-BE49-F238E27FC236}">
+                <a16:creationId xmlns:a16="http://schemas.microsoft.com/office/drawing/2014/main" id="{0650AF1B-C885-6AA4-D407-9B2530135E9D}"/>
+              </a:ext>
+            </a:extLst>
+          </p:cNvPr>
+          <p:cNvPicPr>
+            <a:picLocks noChangeAspect="1"/>
+          </p:cNvPicPr>
+          <p:nvPr/>
+        </p:nvPicPr>
+        <p:blipFill>
+          <a:blip r:embed="rId2" cstate="print">
+            <a:extLst>
+              <a:ext uri="{28A0092B-C50C-407E-A947-70E740481C1C}">
+                <a14:useLocalDpi xmlns:a14="http://schemas.microsoft.com/office/drawing/2010/main" val="0"/>
+              </a:ext>
+            </a:extLst>
+          </a:blip>
+          <a:stretch>
+            <a:fillRect/>
+          </a:stretch>
+        </p:blipFill>
+        <p:spPr>
+          <a:xfrm>
+            <a:off x="110262" y="5212080"/>
+            <a:ext cx="1221230" cy="1230067"/>
+          </a:xfrm>
+          <a:prstGeom prst="rect">
+            <a:avLst/>
+          </a:prstGeom>
+        </p:spPr>
+      </p:pic>
+    </p:spTree>
+    <p:extLst>
+      <p:ext uri="{BB962C8B-B14F-4D97-AF65-F5344CB8AC3E}">
+        <p14:creationId xmlns:p14="http://schemas.microsoft.com/office/powerpoint/2010/main" val="837042388"/>
+      </p:ext>
+    </p:extLst>
+  </p:cSld>
+  <p:clrMapOvr>
+    <a:masterClrMapping/>
+  </p:clrMapOvr>
+</p:sld>
+</file>
+
+<file path=ppt/slides/slide12.xml><?xml version="1.0" encoding="utf-8"?>
+<p:sld xmlns:a="http://schemas.openxmlformats.org/drawingml/2006/main" xmlns:r="http://schemas.openxmlformats.org/officeDocument/2006/relationships" xmlns:p="http://schemas.openxmlformats.org/presentationml/2006/main">
+  <p:cSld>
+    <p:spTree>
+      <p:nvGrpSpPr>
+        <p:cNvPr id="1" name=""/>
+        <p:cNvGrpSpPr/>
+        <p:nvPr/>
+      </p:nvGrpSpPr>
+      <p:grpSpPr>
+        <a:xfrm>
+          <a:off x="0" y="0"/>
+          <a:ext cx="0" cy="0"/>
+          <a:chOff x="0" y="0"/>
+          <a:chExt cx="0" cy="0"/>
+        </a:xfrm>
+      </p:grpSpPr>
+      <p:sp>
+        <p:nvSpPr>
+          <p:cNvPr id="2" name="Título 1">
+            <a:extLst>
+              <a:ext uri="{FF2B5EF4-FFF2-40B4-BE49-F238E27FC236}">
+                <a16:creationId xmlns:a16="http://schemas.microsoft.com/office/drawing/2014/main" id="{25338053-663C-E30D-56DD-B9537408363E}"/>
+              </a:ext>
+            </a:extLst>
+          </p:cNvPr>
+          <p:cNvSpPr>
+            <a:spLocks noGrp="1"/>
+          </p:cNvSpPr>
+          <p:nvPr>
+            <p:ph type="title"/>
+          </p:nvPr>
+        </p:nvSpPr>
+        <p:spPr/>
+        <p:txBody>
+          <a:bodyPr/>
+          <a:lstStyle/>
+          <a:p>
+            <a:r>
+              <a:rPr lang="pt-BR" dirty="0"/>
+              <a:t>2- Metodologia</a:t>
+            </a:r>
+          </a:p>
+        </p:txBody>
+      </p:sp>
+      <p:sp>
+        <p:nvSpPr>
+          <p:cNvPr id="3" name="Espaço Reservado para Conteúdo 2">
+            <a:extLst>
+              <a:ext uri="{FF2B5EF4-FFF2-40B4-BE49-F238E27FC236}">
+                <a16:creationId xmlns:a16="http://schemas.microsoft.com/office/drawing/2014/main" id="{04F775B3-FAF1-FB09-C470-9AF7648956EF}"/>
+              </a:ext>
+            </a:extLst>
+          </p:cNvPr>
+          <p:cNvSpPr>
+            <a:spLocks noGrp="1"/>
+          </p:cNvSpPr>
+          <p:nvPr>
+            <p:ph idx="1"/>
+          </p:nvPr>
+        </p:nvSpPr>
+        <p:spPr/>
+        <p:txBody>
+          <a:bodyPr/>
+          <a:lstStyle/>
+          <a:p>
+            <a:endParaRPr lang="pt-BR"/>
+          </a:p>
+        </p:txBody>
+      </p:sp>
+      <p:pic>
+        <p:nvPicPr>
+          <p:cNvPr id="4" name="Imagem 3" descr="Código QR&#10;&#10;Descrição gerada automaticamente">
+            <a:extLst>
+              <a:ext uri="{FF2B5EF4-FFF2-40B4-BE49-F238E27FC236}">
+                <a16:creationId xmlns:a16="http://schemas.microsoft.com/office/drawing/2014/main" id="{FC91A0BE-4BA1-E84A-12D3-94D0BD83FB1F}"/>
+              </a:ext>
+            </a:extLst>
+          </p:cNvPr>
+          <p:cNvPicPr>
+            <a:picLocks noChangeAspect="1"/>
+          </p:cNvPicPr>
+          <p:nvPr/>
+        </p:nvPicPr>
+        <p:blipFill>
+          <a:blip r:embed="rId2" cstate="print">
+            <a:extLst>
+              <a:ext uri="{28A0092B-C50C-407E-A947-70E740481C1C}">
+                <a14:useLocalDpi xmlns:a14="http://schemas.microsoft.com/office/drawing/2010/main" val="0"/>
+              </a:ext>
+            </a:extLst>
+          </a:blip>
+          <a:stretch>
+            <a:fillRect/>
+          </a:stretch>
+        </p:blipFill>
+        <p:spPr>
+          <a:xfrm>
+            <a:off x="110262" y="5212080"/>
+            <a:ext cx="1221230" cy="1230067"/>
+          </a:xfrm>
+          <a:prstGeom prst="rect">
+            <a:avLst/>
+          </a:prstGeom>
+        </p:spPr>
+      </p:pic>
+    </p:spTree>
+    <p:extLst>
+      <p:ext uri="{BB962C8B-B14F-4D97-AF65-F5344CB8AC3E}">
+        <p14:creationId xmlns:p14="http://schemas.microsoft.com/office/powerpoint/2010/main" val="605745257"/>
+      </p:ext>
+    </p:extLst>
+  </p:cSld>
+  <p:clrMapOvr>
+    <a:masterClrMapping/>
+  </p:clrMapOvr>
+</p:sld>
+</file>
+
+<file path=ppt/slides/slide13.xml><?xml version="1.0" encoding="utf-8"?>
+<p:sld xmlns:a="http://schemas.openxmlformats.org/drawingml/2006/main" xmlns:r="http://schemas.openxmlformats.org/officeDocument/2006/relationships" xmlns:p="http://schemas.openxmlformats.org/presentationml/2006/main">
+  <p:cSld>
+    <p:spTree>
+      <p:nvGrpSpPr>
+        <p:cNvPr id="1" name=""/>
+        <p:cNvGrpSpPr/>
+        <p:nvPr/>
+      </p:nvGrpSpPr>
+      <p:grpSpPr>
+        <a:xfrm>
+          <a:off x="0" y="0"/>
+          <a:ext cx="0" cy="0"/>
+          <a:chOff x="0" y="0"/>
+          <a:chExt cx="0" cy="0"/>
+        </a:xfrm>
+      </p:grpSpPr>
+      <p:sp>
+        <p:nvSpPr>
+          <p:cNvPr id="2" name="Título 1">
+            <a:extLst>
+              <a:ext uri="{FF2B5EF4-FFF2-40B4-BE49-F238E27FC236}">
+                <a16:creationId xmlns:a16="http://schemas.microsoft.com/office/drawing/2014/main" id="{5FCB3120-9398-352C-332D-07C0CFAF156E}"/>
+              </a:ext>
+            </a:extLst>
+          </p:cNvPr>
+          <p:cNvSpPr>
+            <a:spLocks noGrp="1"/>
+          </p:cNvSpPr>
+          <p:nvPr>
+            <p:ph type="title"/>
+          </p:nvPr>
+        </p:nvSpPr>
+        <p:spPr/>
+        <p:txBody>
+          <a:bodyPr/>
+          <a:lstStyle/>
+          <a:p>
+            <a:r>
+              <a:rPr lang="pt-BR" dirty="0"/>
+              <a:t>3- Resultados</a:t>
+            </a:r>
+          </a:p>
+        </p:txBody>
+      </p:sp>
+      <p:sp>
+        <p:nvSpPr>
+          <p:cNvPr id="3" name="Espaço Reservado para Conteúdo 2">
+            <a:extLst>
+              <a:ext uri="{FF2B5EF4-FFF2-40B4-BE49-F238E27FC236}">
+                <a16:creationId xmlns:a16="http://schemas.microsoft.com/office/drawing/2014/main" id="{084534DB-526A-C916-DC1E-B0EE3F42907E}"/>
+              </a:ext>
+            </a:extLst>
+          </p:cNvPr>
+          <p:cNvSpPr>
+            <a:spLocks noGrp="1"/>
+          </p:cNvSpPr>
+          <p:nvPr>
+            <p:ph idx="1"/>
+          </p:nvPr>
+        </p:nvSpPr>
+        <p:spPr/>
+        <p:txBody>
+          <a:bodyPr/>
+          <a:lstStyle/>
+          <a:p>
+            <a:endParaRPr lang="pt-BR"/>
+          </a:p>
+        </p:txBody>
+      </p:sp>
+      <p:pic>
+        <p:nvPicPr>
+          <p:cNvPr id="4" name="Imagem 3" descr="Código QR&#10;&#10;Descrição gerada automaticamente">
+            <a:extLst>
+              <a:ext uri="{FF2B5EF4-FFF2-40B4-BE49-F238E27FC236}">
+                <a16:creationId xmlns:a16="http://schemas.microsoft.com/office/drawing/2014/main" id="{CB896C63-FEC0-8575-A34E-7AD01478FC34}"/>
+              </a:ext>
+            </a:extLst>
+          </p:cNvPr>
+          <p:cNvPicPr>
+            <a:picLocks noChangeAspect="1"/>
+          </p:cNvPicPr>
+          <p:nvPr/>
+        </p:nvPicPr>
+        <p:blipFill>
+          <a:blip r:embed="rId2" cstate="print">
+            <a:extLst>
+              <a:ext uri="{28A0092B-C50C-407E-A947-70E740481C1C}">
+                <a14:useLocalDpi xmlns:a14="http://schemas.microsoft.com/office/drawing/2010/main" val="0"/>
+              </a:ext>
+            </a:extLst>
+          </a:blip>
+          <a:stretch>
+            <a:fillRect/>
+          </a:stretch>
+        </p:blipFill>
+        <p:spPr>
+          <a:xfrm>
+            <a:off x="110262" y="5212080"/>
+            <a:ext cx="1221230" cy="1230067"/>
+          </a:xfrm>
+          <a:prstGeom prst="rect">
+            <a:avLst/>
+          </a:prstGeom>
+        </p:spPr>
+      </p:pic>
+    </p:spTree>
+    <p:extLst>
+      <p:ext uri="{BB962C8B-B14F-4D97-AF65-F5344CB8AC3E}">
+        <p14:creationId xmlns:p14="http://schemas.microsoft.com/office/powerpoint/2010/main" val="3746469689"/>
+      </p:ext>
+    </p:extLst>
+  </p:cSld>
+  <p:clrMapOvr>
+    <a:masterClrMapping/>
+  </p:clrMapOvr>
+</p:sld>
+</file>
+
+<file path=ppt/slides/slide14.xml><?xml version="1.0" encoding="utf-8"?>
+<p:sld xmlns:a="http://schemas.openxmlformats.org/drawingml/2006/main" xmlns:r="http://schemas.openxmlformats.org/officeDocument/2006/relationships" xmlns:p="http://schemas.openxmlformats.org/presentationml/2006/main">
+  <p:cSld>
+    <p:spTree>
+      <p:nvGrpSpPr>
+        <p:cNvPr id="1" name=""/>
+        <p:cNvGrpSpPr/>
+        <p:nvPr/>
+      </p:nvGrpSpPr>
+      <p:grpSpPr>
+        <a:xfrm>
+          <a:off x="0" y="0"/>
+          <a:ext cx="0" cy="0"/>
+          <a:chOff x="0" y="0"/>
+          <a:chExt cx="0" cy="0"/>
+        </a:xfrm>
+      </p:grpSpPr>
+      <p:sp>
+        <p:nvSpPr>
+          <p:cNvPr id="2" name="Título 1">
+            <a:extLst>
+              <a:ext uri="{FF2B5EF4-FFF2-40B4-BE49-F238E27FC236}">
+                <a16:creationId xmlns:a16="http://schemas.microsoft.com/office/drawing/2014/main" id="{20438E7C-87E7-DE78-7943-15907B6E246D}"/>
+              </a:ext>
+            </a:extLst>
+          </p:cNvPr>
+          <p:cNvSpPr>
+            <a:spLocks noGrp="1"/>
+          </p:cNvSpPr>
+          <p:nvPr>
+            <p:ph type="title"/>
+          </p:nvPr>
+        </p:nvSpPr>
+        <p:spPr/>
+        <p:txBody>
+          <a:bodyPr/>
+          <a:lstStyle/>
+          <a:p>
+            <a:r>
+              <a:rPr lang="pt-BR" dirty="0"/>
+              <a:t>4- Conclusão e Trabalhos Futuros</a:t>
+            </a:r>
+          </a:p>
+        </p:txBody>
+      </p:sp>
+      <p:sp>
+        <p:nvSpPr>
+          <p:cNvPr id="3" name="Espaço Reservado para Conteúdo 2">
+            <a:extLst>
+              <a:ext uri="{FF2B5EF4-FFF2-40B4-BE49-F238E27FC236}">
+                <a16:creationId xmlns:a16="http://schemas.microsoft.com/office/drawing/2014/main" id="{77B6892C-F1D4-81D8-1C58-EB2A0197B9B5}"/>
+              </a:ext>
+            </a:extLst>
+          </p:cNvPr>
+          <p:cNvSpPr>
+            <a:spLocks noGrp="1"/>
+          </p:cNvSpPr>
+          <p:nvPr>
+            <p:ph idx="1"/>
+          </p:nvPr>
+        </p:nvSpPr>
+        <p:spPr/>
+        <p:txBody>
+          <a:bodyPr/>
+          <a:lstStyle/>
+          <a:p>
+            <a:endParaRPr lang="pt-BR"/>
+          </a:p>
+        </p:txBody>
+      </p:sp>
+      <p:pic>
+        <p:nvPicPr>
+          <p:cNvPr id="4" name="Imagem 3" descr="Código QR&#10;&#10;Descrição gerada automaticamente">
+            <a:extLst>
+              <a:ext uri="{FF2B5EF4-FFF2-40B4-BE49-F238E27FC236}">
+                <a16:creationId xmlns:a16="http://schemas.microsoft.com/office/drawing/2014/main" id="{1AFADED4-89F8-590B-A375-5E3C6717873B}"/>
+              </a:ext>
+            </a:extLst>
+          </p:cNvPr>
+          <p:cNvPicPr>
+            <a:picLocks noChangeAspect="1"/>
+          </p:cNvPicPr>
+          <p:nvPr/>
+        </p:nvPicPr>
+        <p:blipFill>
+          <a:blip r:embed="rId2" cstate="print">
+            <a:extLst>
+              <a:ext uri="{28A0092B-C50C-407E-A947-70E740481C1C}">
+                <a14:useLocalDpi xmlns:a14="http://schemas.microsoft.com/office/drawing/2010/main" val="0"/>
+              </a:ext>
+            </a:extLst>
+          </a:blip>
+          <a:stretch>
+            <a:fillRect/>
+          </a:stretch>
+        </p:blipFill>
+        <p:spPr>
+          <a:xfrm>
+            <a:off x="110262" y="5212080"/>
+            <a:ext cx="1221230" cy="1230067"/>
+          </a:xfrm>
+          <a:prstGeom prst="rect">
+            <a:avLst/>
+          </a:prstGeom>
+        </p:spPr>
+      </p:pic>
+    </p:spTree>
+    <p:extLst>
+      <p:ext uri="{BB962C8B-B14F-4D97-AF65-F5344CB8AC3E}">
+        <p14:creationId xmlns:p14="http://schemas.microsoft.com/office/powerpoint/2010/main" val="48503678"/>
+      </p:ext>
+    </p:extLst>
+  </p:cSld>
+  <p:clrMapOvr>
+    <a:masterClrMapping/>
+  </p:clrMapOvr>
+</p:sld>
+</file>
+
+<file path=ppt/slides/slide15.xml><?xml version="1.0" encoding="utf-8"?>
 <p:sld xmlns:a="http://schemas.openxmlformats.org/drawingml/2006/main" xmlns:r="http://schemas.openxmlformats.org/officeDocument/2006/relationships" xmlns:p="http://schemas.openxmlformats.org/presentationml/2006/main">
   <p:cSld>
     <p:spTree>
@@ -4148,100 +4955,122 @@
       </p:grpSpPr>
       <p:sp>
         <p:nvSpPr>
-          <p:cNvPr id="2" name="Título 1">
+          <p:cNvPr id="2" name="Título 1"/>
+          <p:cNvSpPr>
+            <a:spLocks noGrp="1"/>
+          </p:cNvSpPr>
+          <p:nvPr>
+            <p:ph type="title"/>
+          </p:nvPr>
+        </p:nvSpPr>
+        <p:spPr/>
+        <p:txBody>
+          <a:bodyPr/>
+          <a:lstStyle/>
+          <a:p>
+            <a:r>
+              <a:rPr lang="pt-BR" dirty="0"/>
+              <a:t>Sumário</a:t>
+            </a:r>
+          </a:p>
+        </p:txBody>
+      </p:sp>
+      <p:sp>
+        <p:nvSpPr>
+          <p:cNvPr id="3" name="Espaço Reservado para Conteúdo 2"/>
+          <p:cNvSpPr>
+            <a:spLocks noGrp="1"/>
+          </p:cNvSpPr>
+          <p:nvPr>
+            <p:ph idx="1"/>
+          </p:nvPr>
+        </p:nvSpPr>
+        <p:spPr/>
+        <p:txBody>
+          <a:bodyPr/>
+          <a:lstStyle/>
+          <a:p>
+            <a:pPr marL="457200" indent="-457200">
+              <a:buFont typeface="+mj-lt"/>
+              <a:buAutoNum type="arabicPeriod"/>
+            </a:pPr>
+            <a:r>
+              <a:rPr lang="pt-BR" dirty="0"/>
+              <a:t>Introdução</a:t>
+            </a:r>
+          </a:p>
+          <a:p>
+            <a:pPr marL="457200" indent="-457200">
+              <a:buFont typeface="+mj-lt"/>
+              <a:buAutoNum type="arabicPeriod"/>
+            </a:pPr>
+            <a:r>
+              <a:rPr lang="pt-BR" dirty="0"/>
+              <a:t>Metodologia</a:t>
+            </a:r>
+          </a:p>
+          <a:p>
+            <a:pPr marL="457200" indent="-457200">
+              <a:buFont typeface="+mj-lt"/>
+              <a:buAutoNum type="arabicPeriod" startAt="3"/>
+            </a:pPr>
+            <a:r>
+              <a:rPr lang="pt-BR" dirty="0"/>
+              <a:t>Resultados</a:t>
+            </a:r>
+          </a:p>
+          <a:p>
+            <a:pPr marL="457200" indent="-457200">
+              <a:buFont typeface="+mj-lt"/>
+              <a:buAutoNum type="arabicPeriod" startAt="3"/>
+            </a:pPr>
+            <a:r>
+              <a:rPr lang="pt-BR" dirty="0"/>
+              <a:t>Conclusão e Trabalhos Futuros</a:t>
+            </a:r>
+          </a:p>
+        </p:txBody>
+      </p:sp>
+      <p:pic>
+        <p:nvPicPr>
+          <p:cNvPr id="4" name="Imagem 3" descr="Código QR&#10;&#10;Descrição gerada automaticamente">
             <a:extLst>
               <a:ext uri="{FF2B5EF4-FFF2-40B4-BE49-F238E27FC236}">
-                <a16:creationId xmlns:a16="http://schemas.microsoft.com/office/drawing/2014/main" id="{DEDD2145-8992-6FAE-F3F9-AF50C23FDE3E}"/>
+                <a16:creationId xmlns:a16="http://schemas.microsoft.com/office/drawing/2014/main" id="{EAC1BC91-7D51-D160-7724-CB802478923F}"/>
               </a:ext>
             </a:extLst>
           </p:cNvPr>
-          <p:cNvSpPr>
-            <a:spLocks noGrp="1"/>
-          </p:cNvSpPr>
-          <p:nvPr>
-            <p:ph type="ctrTitle"/>
-          </p:nvPr>
-        </p:nvSpPr>
-        <p:spPr/>
-        <p:txBody>
-          <a:bodyPr/>
-          <a:lstStyle/>
-          <a:p>
-            <a:r>
-              <a:rPr lang="pt-BR" b="0" dirty="0">
-                <a:effectLst/>
-                <a:latin typeface="Consolas" panose="020B0609020204030204" pitchFamily="49" charset="0"/>
-              </a:rPr>
-              <a:t>Wind</a:t>
-            </a:r>
-            <a:r>
-              <a:rPr lang="pt-BR" dirty="0">
-                <a:latin typeface="Consolas" panose="020B0609020204030204" pitchFamily="49" charset="0"/>
-              </a:rPr>
-              <a:t> Power Data SCADA </a:t>
-            </a:r>
-            <a:r>
-              <a:rPr lang="pt-BR" dirty="0" err="1">
-                <a:latin typeface="Consolas" panose="020B0609020204030204" pitchFamily="49" charset="0"/>
-              </a:rPr>
-              <a:t>Viewer</a:t>
-            </a:r>
-            <a:br>
-              <a:rPr lang="en-US" b="0" dirty="0">
-                <a:effectLst/>
-                <a:highlight>
-                  <a:srgbClr val="1F1F1F"/>
-                </a:highlight>
-                <a:latin typeface="Consolas" panose="020B0609020204030204" pitchFamily="49" charset="0"/>
-              </a:rPr>
-            </a:br>
-            <a:endParaRPr lang="pt-BR" dirty="0"/>
-          </a:p>
-        </p:txBody>
-      </p:sp>
-      <p:sp>
-        <p:nvSpPr>
-          <p:cNvPr id="3" name="Subtítulo 2">
+          <p:cNvPicPr>
+            <a:picLocks noChangeAspect="1"/>
+          </p:cNvPicPr>
+          <p:nvPr/>
+        </p:nvPicPr>
+        <p:blipFill>
+          <a:blip r:embed="rId2" cstate="print">
             <a:extLst>
-              <a:ext uri="{FF2B5EF4-FFF2-40B4-BE49-F238E27FC236}">
-                <a16:creationId xmlns:a16="http://schemas.microsoft.com/office/drawing/2014/main" id="{6DA5689E-B7D5-2393-4DB6-9AF66C957431}"/>
+              <a:ext uri="{28A0092B-C50C-407E-A947-70E740481C1C}">
+                <a14:useLocalDpi xmlns:a14="http://schemas.microsoft.com/office/drawing/2010/main" val="0"/>
               </a:ext>
             </a:extLst>
-          </p:cNvPr>
-          <p:cNvSpPr>
-            <a:spLocks noGrp="1"/>
-          </p:cNvSpPr>
-          <p:nvPr>
-            <p:ph type="subTitle" idx="1"/>
-          </p:nvPr>
-        </p:nvSpPr>
-        <p:spPr/>
-        <p:txBody>
-          <a:bodyPr/>
-          <a:lstStyle/>
-          <a:p>
-            <a:r>
-              <a:rPr lang="pt-BR" dirty="0"/>
-              <a:t>Nome: Carlos Henrique Tavares </a:t>
-            </a:r>
-            <a:r>
-              <a:rPr lang="pt-BR" dirty="0" err="1"/>
-              <a:t>Brumatti</a:t>
-            </a:r>
-            <a:endParaRPr lang="pt-BR" dirty="0"/>
-          </a:p>
-          <a:p>
-            <a:r>
-              <a:rPr lang="pt-BR" dirty="0"/>
-              <a:t>Matrícula: 81853</a:t>
-            </a:r>
-          </a:p>
-        </p:txBody>
-      </p:sp>
+          </a:blip>
+          <a:stretch>
+            <a:fillRect/>
+          </a:stretch>
+        </p:blipFill>
+        <p:spPr>
+          <a:xfrm>
+            <a:off x="110262" y="5212080"/>
+            <a:ext cx="1221230" cy="1230067"/>
+          </a:xfrm>
+          <a:prstGeom prst="rect">
+            <a:avLst/>
+          </a:prstGeom>
+        </p:spPr>
+      </p:pic>
     </p:spTree>
     <p:extLst>
       <p:ext uri="{BB962C8B-B14F-4D97-AF65-F5344CB8AC3E}">
-        <p14:creationId xmlns:p14="http://schemas.microsoft.com/office/powerpoint/2010/main" val="1596022806"/>
+        <p14:creationId xmlns:p14="http://schemas.microsoft.com/office/powerpoint/2010/main" val="710299982"/>
       </p:ext>
     </p:extLst>
   </p:cSld>
@@ -4270,7 +5099,13 @@
       </p:grpSpPr>
       <p:sp>
         <p:nvSpPr>
-          <p:cNvPr id="2" name="Título 1"/>
+          <p:cNvPr id="2" name="Título 1">
+            <a:extLst>
+              <a:ext uri="{FF2B5EF4-FFF2-40B4-BE49-F238E27FC236}">
+                <a16:creationId xmlns:a16="http://schemas.microsoft.com/office/drawing/2014/main" id="{53CE1CBD-F776-787D-270B-482B3F3DB6E6}"/>
+              </a:ext>
+            </a:extLst>
+          </p:cNvPr>
           <p:cNvSpPr>
             <a:spLocks noGrp="1"/>
           </p:cNvSpPr>
@@ -4285,14 +5120,20 @@
           <a:p>
             <a:r>
               <a:rPr lang="pt-BR" dirty="0"/>
-              <a:t>Sumário</a:t>
-            </a:r>
-          </a:p>
-        </p:txBody>
-      </p:sp>
-      <p:sp>
-        <p:nvSpPr>
-          <p:cNvPr id="3" name="Espaço Reservado para Conteúdo 2"/>
+              <a:t>1- Introdução</a:t>
+            </a:r>
+          </a:p>
+        </p:txBody>
+      </p:sp>
+      <p:sp>
+        <p:nvSpPr>
+          <p:cNvPr id="3" name="Espaço Reservado para Conteúdo 2">
+            <a:extLst>
+              <a:ext uri="{FF2B5EF4-FFF2-40B4-BE49-F238E27FC236}">
+                <a16:creationId xmlns:a16="http://schemas.microsoft.com/office/drawing/2014/main" id="{150E3E43-1D00-52DB-69B4-EF22AFE3E925}"/>
+              </a:ext>
+            </a:extLst>
+          </p:cNvPr>
           <p:cNvSpPr>
             <a:spLocks noGrp="1"/>
           </p:cNvSpPr>
@@ -4305,68 +5146,59 @@
           <a:bodyPr/>
           <a:lstStyle/>
           <a:p>
-            <a:pPr marL="457200" indent="-457200">
-              <a:buFont typeface="+mj-lt"/>
-              <a:buAutoNum type="arabicPeriod"/>
-            </a:pPr>
-            <a:r>
-              <a:rPr lang="pt-BR" dirty="0"/>
-              <a:t>Introdução</a:t>
-            </a:r>
-          </a:p>
-          <a:p>
-            <a:pPr marL="457200" indent="-457200">
-              <a:buFont typeface="+mj-lt"/>
-              <a:buAutoNum type="arabicPeriod"/>
-            </a:pPr>
-            <a:r>
-              <a:rPr lang="pt-BR" dirty="0"/>
-              <a:t>Referencial Teórico</a:t>
-            </a:r>
-          </a:p>
-          <a:p>
-            <a:pPr lvl="1"/>
-            <a:r>
-              <a:rPr lang="pt-BR" dirty="0"/>
-              <a:t>Dados SCADA</a:t>
-            </a:r>
-          </a:p>
-          <a:p>
-            <a:pPr marL="457200" indent="-457200">
-              <a:buFont typeface="+mj-lt"/>
-              <a:buAutoNum type="arabicPeriod" startAt="3"/>
-            </a:pPr>
-            <a:r>
-              <a:rPr lang="pt-BR" dirty="0"/>
-              <a:t>Metodologia</a:t>
-            </a:r>
-          </a:p>
-          <a:p>
-            <a:pPr marL="457200" indent="-457200">
-              <a:buFont typeface="+mj-lt"/>
-              <a:buAutoNum type="arabicPeriod" startAt="3"/>
-            </a:pPr>
-            <a:r>
-              <a:rPr lang="pt-BR" dirty="0"/>
-              <a:t>Resultados</a:t>
-            </a:r>
-          </a:p>
-          <a:p>
-            <a:pPr marL="457200" indent="-457200">
-              <a:buFont typeface="+mj-lt"/>
-              <a:buAutoNum type="arabicPeriod" startAt="3"/>
-            </a:pPr>
-            <a:r>
-              <a:rPr lang="pt-BR" dirty="0"/>
-              <a:t>Conclusão e Trabalhos Futuros</a:t>
-            </a:r>
-          </a:p>
-        </p:txBody>
-      </p:sp>
+            <a:endParaRPr lang="pt-BR" dirty="0"/>
+          </a:p>
+          <a:p>
+            <a:endParaRPr lang="pt-BR" dirty="0"/>
+          </a:p>
+          <a:p>
+            <a:endParaRPr lang="pt-BR" dirty="0"/>
+          </a:p>
+          <a:p>
+            <a:endParaRPr lang="pt-BR" dirty="0"/>
+          </a:p>
+        </p:txBody>
+      </p:sp>
+      <p:pic>
+        <p:nvPicPr>
+          <p:cNvPr id="4" name="Imagem 3" descr="Código QR&#10;&#10;Descrição gerada automaticamente">
+            <a:extLst>
+              <a:ext uri="{FF2B5EF4-FFF2-40B4-BE49-F238E27FC236}">
+                <a16:creationId xmlns:a16="http://schemas.microsoft.com/office/drawing/2014/main" id="{0650AF1B-C885-6AA4-D407-9B2530135E9D}"/>
+              </a:ext>
+            </a:extLst>
+          </p:cNvPr>
+          <p:cNvPicPr>
+            <a:picLocks noChangeAspect="1"/>
+          </p:cNvPicPr>
+          <p:nvPr/>
+        </p:nvPicPr>
+        <p:blipFill>
+          <a:blip r:embed="rId2" cstate="print">
+            <a:extLst>
+              <a:ext uri="{28A0092B-C50C-407E-A947-70E740481C1C}">
+                <a14:useLocalDpi xmlns:a14="http://schemas.microsoft.com/office/drawing/2010/main" val="0"/>
+              </a:ext>
+            </a:extLst>
+          </a:blip>
+          <a:stretch>
+            <a:fillRect/>
+          </a:stretch>
+        </p:blipFill>
+        <p:spPr>
+          <a:xfrm>
+            <a:off x="110262" y="5212080"/>
+            <a:ext cx="1221230" cy="1230067"/>
+          </a:xfrm>
+          <a:prstGeom prst="rect">
+            <a:avLst/>
+          </a:prstGeom>
+        </p:spPr>
+      </p:pic>
     </p:spTree>
     <p:extLst>
       <p:ext uri="{BB962C8B-B14F-4D97-AF65-F5344CB8AC3E}">
-        <p14:creationId xmlns:p14="http://schemas.microsoft.com/office/powerpoint/2010/main" val="710299982"/>
+        <p14:creationId xmlns:p14="http://schemas.microsoft.com/office/powerpoint/2010/main" val="1877322530"/>
       </p:ext>
     </p:extLst>
   </p:cSld>
@@ -4442,14 +5274,104 @@
           <a:bodyPr/>
           <a:lstStyle/>
           <a:p>
+            <a:r>
+              <a:rPr lang="pt-BR" dirty="0"/>
+              <a:t>Motivação do trabalho = Ambiental; Econômica e Social</a:t>
+            </a:r>
+          </a:p>
+          <a:p>
             <a:endParaRPr lang="pt-BR" dirty="0"/>
           </a:p>
-        </p:txBody>
-      </p:sp>
+          <a:p>
+            <a:r>
+              <a:rPr lang="pt-BR" b="1" dirty="0"/>
+              <a:t>Ambiental</a:t>
+            </a:r>
+            <a:r>
+              <a:rPr lang="pt-BR" dirty="0"/>
+              <a:t> = Redução de emissões de gases de efeito estufa; Preservação dos recursos naturais e redução da poluição.</a:t>
+            </a:r>
+          </a:p>
+          <a:p>
+            <a:endParaRPr lang="pt-BR" dirty="0"/>
+          </a:p>
+          <a:p>
+            <a:r>
+              <a:rPr lang="pt-BR" b="1" dirty="0"/>
+              <a:t>Econômico</a:t>
+            </a:r>
+            <a:r>
+              <a:rPr lang="pt-BR" dirty="0"/>
+              <a:t> = Independência energética; Estabilidade dos preços</a:t>
+            </a:r>
+          </a:p>
+          <a:p>
+            <a:endParaRPr lang="pt-BR" dirty="0"/>
+          </a:p>
+          <a:p>
+            <a:r>
+              <a:rPr lang="pt-BR" b="1" dirty="0"/>
+              <a:t>Social</a:t>
+            </a:r>
+            <a:r>
+              <a:rPr lang="pt-BR" dirty="0"/>
+              <a:t> = Desenvolvimento regional; Educação e conscientização; Desenvolvimento tecnológico</a:t>
+            </a:r>
+          </a:p>
+          <a:p>
+            <a:endParaRPr lang="pt-BR" dirty="0"/>
+          </a:p>
+          <a:p>
+            <a:endParaRPr lang="pt-BR" dirty="0"/>
+          </a:p>
+          <a:p>
+            <a:endParaRPr lang="pt-BR" dirty="0"/>
+          </a:p>
+          <a:p>
+            <a:endParaRPr lang="pt-BR" dirty="0"/>
+          </a:p>
+        </p:txBody>
+      </p:sp>
+      <p:pic>
+        <p:nvPicPr>
+          <p:cNvPr id="4" name="Imagem 3" descr="Código QR&#10;&#10;Descrição gerada automaticamente">
+            <a:extLst>
+              <a:ext uri="{FF2B5EF4-FFF2-40B4-BE49-F238E27FC236}">
+                <a16:creationId xmlns:a16="http://schemas.microsoft.com/office/drawing/2014/main" id="{0650AF1B-C885-6AA4-D407-9B2530135E9D}"/>
+              </a:ext>
+            </a:extLst>
+          </p:cNvPr>
+          <p:cNvPicPr>
+            <a:picLocks noChangeAspect="1"/>
+          </p:cNvPicPr>
+          <p:nvPr/>
+        </p:nvPicPr>
+        <p:blipFill>
+          <a:blip r:embed="rId2" cstate="print">
+            <a:extLst>
+              <a:ext uri="{28A0092B-C50C-407E-A947-70E740481C1C}">
+                <a14:useLocalDpi xmlns:a14="http://schemas.microsoft.com/office/drawing/2010/main" val="0"/>
+              </a:ext>
+            </a:extLst>
+          </a:blip>
+          <a:stretch>
+            <a:fillRect/>
+          </a:stretch>
+        </p:blipFill>
+        <p:spPr>
+          <a:xfrm>
+            <a:off x="110262" y="5212080"/>
+            <a:ext cx="1221230" cy="1230067"/>
+          </a:xfrm>
+          <a:prstGeom prst="rect">
+            <a:avLst/>
+          </a:prstGeom>
+        </p:spPr>
+      </p:pic>
     </p:spTree>
     <p:extLst>
       <p:ext uri="{BB962C8B-B14F-4D97-AF65-F5344CB8AC3E}">
-        <p14:creationId xmlns:p14="http://schemas.microsoft.com/office/powerpoint/2010/main" val="1877322530"/>
+        <p14:creationId xmlns:p14="http://schemas.microsoft.com/office/powerpoint/2010/main" val="1113018745"/>
       </p:ext>
     </p:extLst>
   </p:cSld>
@@ -4481,7 +5403,7 @@
           <p:cNvPr id="2" name="Título 1">
             <a:extLst>
               <a:ext uri="{FF2B5EF4-FFF2-40B4-BE49-F238E27FC236}">
-                <a16:creationId xmlns:a16="http://schemas.microsoft.com/office/drawing/2014/main" id="{52BD244E-D2BE-D5A4-E7FD-836E103013A9}"/>
+                <a16:creationId xmlns:a16="http://schemas.microsoft.com/office/drawing/2014/main" id="{53CE1CBD-F776-787D-270B-482B3F3DB6E6}"/>
               </a:ext>
             </a:extLst>
           </p:cNvPr>
@@ -4499,7 +5421,7 @@
           <a:p>
             <a:r>
               <a:rPr lang="pt-BR" dirty="0"/>
-              <a:t>2- Referencial Teórico</a:t>
+              <a:t>1- Introdução</a:t>
             </a:r>
           </a:p>
         </p:txBody>
@@ -4509,7 +5431,7 @@
           <p:cNvPr id="3" name="Espaço Reservado para Conteúdo 2">
             <a:extLst>
               <a:ext uri="{FF2B5EF4-FFF2-40B4-BE49-F238E27FC236}">
-                <a16:creationId xmlns:a16="http://schemas.microsoft.com/office/drawing/2014/main" id="{C7C7693C-7EC2-3A99-E588-074960CCB639}"/>
+                <a16:creationId xmlns:a16="http://schemas.microsoft.com/office/drawing/2014/main" id="{150E3E43-1D00-52DB-69B4-EF22AFE3E925}"/>
               </a:ext>
             </a:extLst>
           </p:cNvPr>
@@ -4525,14 +5447,65 @@
           <a:bodyPr/>
           <a:lstStyle/>
           <a:p>
+            <a:r>
+              <a:rPr lang="pt-BR" dirty="0"/>
+              <a:t>SCADA = Dados produzidos por um conjunto de sensores internos e externos a turbina eólica.</a:t>
+            </a:r>
+          </a:p>
+          <a:p>
             <a:endParaRPr lang="pt-BR" dirty="0"/>
           </a:p>
-        </p:txBody>
-      </p:sp>
+          <a:p>
+            <a:endParaRPr lang="pt-BR" dirty="0"/>
+          </a:p>
+          <a:p>
+            <a:endParaRPr lang="pt-BR" dirty="0"/>
+          </a:p>
+          <a:p>
+            <a:endParaRPr lang="pt-BR" dirty="0"/>
+          </a:p>
+        </p:txBody>
+      </p:sp>
+      <p:pic>
+        <p:nvPicPr>
+          <p:cNvPr id="4" name="Imagem 3" descr="Código QR&#10;&#10;Descrição gerada automaticamente">
+            <a:extLst>
+              <a:ext uri="{FF2B5EF4-FFF2-40B4-BE49-F238E27FC236}">
+                <a16:creationId xmlns:a16="http://schemas.microsoft.com/office/drawing/2014/main" id="{0650AF1B-C885-6AA4-D407-9B2530135E9D}"/>
+              </a:ext>
+            </a:extLst>
+          </p:cNvPr>
+          <p:cNvPicPr>
+            <a:picLocks noChangeAspect="1"/>
+          </p:cNvPicPr>
+          <p:nvPr/>
+        </p:nvPicPr>
+        <p:blipFill>
+          <a:blip r:embed="rId2" cstate="print">
+            <a:extLst>
+              <a:ext uri="{28A0092B-C50C-407E-A947-70E740481C1C}">
+                <a14:useLocalDpi xmlns:a14="http://schemas.microsoft.com/office/drawing/2010/main" val="0"/>
+              </a:ext>
+            </a:extLst>
+          </a:blip>
+          <a:stretch>
+            <a:fillRect/>
+          </a:stretch>
+        </p:blipFill>
+        <p:spPr>
+          <a:xfrm>
+            <a:off x="110262" y="5212080"/>
+            <a:ext cx="1221230" cy="1230067"/>
+          </a:xfrm>
+          <a:prstGeom prst="rect">
+            <a:avLst/>
+          </a:prstGeom>
+        </p:spPr>
+      </p:pic>
     </p:spTree>
     <p:extLst>
       <p:ext uri="{BB962C8B-B14F-4D97-AF65-F5344CB8AC3E}">
-        <p14:creationId xmlns:p14="http://schemas.microsoft.com/office/powerpoint/2010/main" val="983353516"/>
+        <p14:creationId xmlns:p14="http://schemas.microsoft.com/office/powerpoint/2010/main" val="1850255251"/>
       </p:ext>
     </p:extLst>
   </p:cSld>
@@ -4564,7 +5537,7 @@
           <p:cNvPr id="2" name="Título 1">
             <a:extLst>
               <a:ext uri="{FF2B5EF4-FFF2-40B4-BE49-F238E27FC236}">
-                <a16:creationId xmlns:a16="http://schemas.microsoft.com/office/drawing/2014/main" id="{D9728909-AEB5-B3AC-B4EF-59F5F23D34E1}"/>
+                <a16:creationId xmlns:a16="http://schemas.microsoft.com/office/drawing/2014/main" id="{53CE1CBD-F776-787D-270B-482B3F3DB6E6}"/>
               </a:ext>
             </a:extLst>
           </p:cNvPr>
@@ -4582,7 +5555,7 @@
           <a:p>
             <a:r>
               <a:rPr lang="pt-BR" dirty="0"/>
-              <a:t>2.1- Dados SCADA </a:t>
+              <a:t>1- Introdução</a:t>
             </a:r>
           </a:p>
         </p:txBody>
@@ -4592,7 +5565,7 @@
           <p:cNvPr id="3" name="Espaço Reservado para Conteúdo 2">
             <a:extLst>
               <a:ext uri="{FF2B5EF4-FFF2-40B4-BE49-F238E27FC236}">
-                <a16:creationId xmlns:a16="http://schemas.microsoft.com/office/drawing/2014/main" id="{521A1759-E919-2114-8EF0-3D004BE83C2E}"/>
+                <a16:creationId xmlns:a16="http://schemas.microsoft.com/office/drawing/2014/main" id="{150E3E43-1D00-52DB-69B4-EF22AFE3E925}"/>
               </a:ext>
             </a:extLst>
           </p:cNvPr>
@@ -4608,14 +5581,112 @@
           <a:bodyPr/>
           <a:lstStyle/>
           <a:p>
-            <a:endParaRPr lang="pt-BR"/>
-          </a:p>
-        </p:txBody>
-      </p:sp>
+            <a:r>
+              <a:rPr lang="pt-BR" dirty="0"/>
+              <a:t>SCADA = Dados produzidos por um conjunto de sensores internos e externos a turbina eólica.</a:t>
+            </a:r>
+          </a:p>
+          <a:p>
+            <a:r>
+              <a:rPr lang="pt-BR" dirty="0"/>
+              <a:t>Equipamentos externos = </a:t>
+            </a:r>
+            <a:r>
+              <a:rPr lang="pt-BR" dirty="0" err="1"/>
+              <a:t>Anenômetro</a:t>
+            </a:r>
+            <a:r>
+              <a:rPr lang="pt-BR" dirty="0"/>
+              <a:t> e a Biruta (direção e a velocidade do vento)</a:t>
+            </a:r>
+          </a:p>
+          <a:p>
+            <a:endParaRPr lang="pt-BR" dirty="0"/>
+          </a:p>
+          <a:p>
+            <a:endParaRPr lang="pt-BR" dirty="0"/>
+          </a:p>
+          <a:p>
+            <a:endParaRPr lang="pt-BR" dirty="0"/>
+          </a:p>
+        </p:txBody>
+      </p:sp>
+      <p:pic>
+        <p:nvPicPr>
+          <p:cNvPr id="4" name="Imagem 3" descr="Código QR&#10;&#10;Descrição gerada automaticamente">
+            <a:extLst>
+              <a:ext uri="{FF2B5EF4-FFF2-40B4-BE49-F238E27FC236}">
+                <a16:creationId xmlns:a16="http://schemas.microsoft.com/office/drawing/2014/main" id="{0650AF1B-C885-6AA4-D407-9B2530135E9D}"/>
+              </a:ext>
+            </a:extLst>
+          </p:cNvPr>
+          <p:cNvPicPr>
+            <a:picLocks noChangeAspect="1"/>
+          </p:cNvPicPr>
+          <p:nvPr/>
+        </p:nvPicPr>
+        <p:blipFill>
+          <a:blip r:embed="rId2" cstate="print">
+            <a:extLst>
+              <a:ext uri="{28A0092B-C50C-407E-A947-70E740481C1C}">
+                <a14:useLocalDpi xmlns:a14="http://schemas.microsoft.com/office/drawing/2010/main" val="0"/>
+              </a:ext>
+            </a:extLst>
+          </a:blip>
+          <a:stretch>
+            <a:fillRect/>
+          </a:stretch>
+        </p:blipFill>
+        <p:spPr>
+          <a:xfrm>
+            <a:off x="110262" y="5212080"/>
+            <a:ext cx="1221230" cy="1230067"/>
+          </a:xfrm>
+          <a:prstGeom prst="rect">
+            <a:avLst/>
+          </a:prstGeom>
+        </p:spPr>
+      </p:pic>
+      <p:pic>
+        <p:nvPicPr>
+          <p:cNvPr id="6" name="Imagem 5" descr="Uma imagem contendo computador&#10;&#10;Descrição gerada automaticamente">
+            <a:extLst>
+              <a:ext uri="{FF2B5EF4-FFF2-40B4-BE49-F238E27FC236}">
+                <a16:creationId xmlns:a16="http://schemas.microsoft.com/office/drawing/2014/main" id="{FB7EDC0E-BD89-EF27-81CF-0958126C3F9E}"/>
+              </a:ext>
+            </a:extLst>
+          </p:cNvPr>
+          <p:cNvPicPr>
+            <a:picLocks noChangeAspect="1"/>
+          </p:cNvPicPr>
+          <p:nvPr/>
+        </p:nvPicPr>
+        <p:blipFill>
+          <a:blip r:embed="rId3">
+            <a:extLst>
+              <a:ext uri="{28A0092B-C50C-407E-A947-70E740481C1C}">
+                <a14:useLocalDpi xmlns:a14="http://schemas.microsoft.com/office/drawing/2010/main" val="0"/>
+              </a:ext>
+            </a:extLst>
+          </a:blip>
+          <a:stretch>
+            <a:fillRect/>
+          </a:stretch>
+        </p:blipFill>
+        <p:spPr>
+          <a:xfrm>
+            <a:off x="1441479" y="3678056"/>
+            <a:ext cx="2813279" cy="2813279"/>
+          </a:xfrm>
+          <a:prstGeom prst="rect">
+            <a:avLst/>
+          </a:prstGeom>
+        </p:spPr>
+      </p:pic>
     </p:spTree>
     <p:extLst>
       <p:ext uri="{BB962C8B-B14F-4D97-AF65-F5344CB8AC3E}">
-        <p14:creationId xmlns:p14="http://schemas.microsoft.com/office/powerpoint/2010/main" val="2900356160"/>
+        <p14:creationId xmlns:p14="http://schemas.microsoft.com/office/powerpoint/2010/main" val="2245792971"/>
       </p:ext>
     </p:extLst>
   </p:cSld>
@@ -4647,7 +5718,7 @@
           <p:cNvPr id="2" name="Título 1">
             <a:extLst>
               <a:ext uri="{FF2B5EF4-FFF2-40B4-BE49-F238E27FC236}">
-                <a16:creationId xmlns:a16="http://schemas.microsoft.com/office/drawing/2014/main" id="{25338053-663C-E30D-56DD-B9537408363E}"/>
+                <a16:creationId xmlns:a16="http://schemas.microsoft.com/office/drawing/2014/main" id="{53CE1CBD-F776-787D-270B-482B3F3DB6E6}"/>
               </a:ext>
             </a:extLst>
           </p:cNvPr>
@@ -4665,7 +5736,7 @@
           <a:p>
             <a:r>
               <a:rPr lang="pt-BR" dirty="0"/>
-              <a:t>3- Metodologia</a:t>
+              <a:t>1- Introdução</a:t>
             </a:r>
           </a:p>
         </p:txBody>
@@ -4675,7 +5746,7 @@
           <p:cNvPr id="3" name="Espaço Reservado para Conteúdo 2">
             <a:extLst>
               <a:ext uri="{FF2B5EF4-FFF2-40B4-BE49-F238E27FC236}">
-                <a16:creationId xmlns:a16="http://schemas.microsoft.com/office/drawing/2014/main" id="{04F775B3-FAF1-FB09-C470-9AF7648956EF}"/>
+                <a16:creationId xmlns:a16="http://schemas.microsoft.com/office/drawing/2014/main" id="{150E3E43-1D00-52DB-69B4-EF22AFE3E925}"/>
               </a:ext>
             </a:extLst>
           </p:cNvPr>
@@ -4691,14 +5762,90 @@
           <a:bodyPr/>
           <a:lstStyle/>
           <a:p>
-            <a:endParaRPr lang="pt-BR"/>
-          </a:p>
-        </p:txBody>
-      </p:sp>
+            <a:r>
+              <a:rPr lang="pt-BR" dirty="0"/>
+              <a:t>SCADA = Dados produzidos por um conjunto de sensores internos e externos a turbina eólica.</a:t>
+            </a:r>
+          </a:p>
+          <a:p>
+            <a:r>
+              <a:rPr lang="pt-BR" dirty="0"/>
+              <a:t>Equipamentos externos = </a:t>
+            </a:r>
+            <a:r>
+              <a:rPr lang="pt-BR" dirty="0" err="1"/>
+              <a:t>Anenômetro</a:t>
+            </a:r>
+            <a:r>
+              <a:rPr lang="pt-BR" dirty="0"/>
+              <a:t> e a Biruta (direção e a velocidade do vento).</a:t>
+            </a:r>
+          </a:p>
+          <a:p>
+            <a:r>
+              <a:rPr lang="pt-BR" dirty="0"/>
+              <a:t>Equipamentos internos = Sensores, baterias, computadores industriais </a:t>
+            </a:r>
+            <a:r>
+              <a:rPr lang="pt-BR" dirty="0" err="1"/>
+              <a:t>etc</a:t>
+            </a:r>
+            <a:r>
+              <a:rPr lang="pt-BR" dirty="0"/>
+              <a:t> (Monitoramento da integridade estrutural, das condições da turbina e vibração, por exemplo) </a:t>
+            </a:r>
+          </a:p>
+          <a:p>
+            <a:endParaRPr lang="pt-BR" dirty="0"/>
+          </a:p>
+          <a:p>
+            <a:endParaRPr lang="pt-BR" dirty="0"/>
+          </a:p>
+          <a:p>
+            <a:endParaRPr lang="pt-BR" dirty="0"/>
+          </a:p>
+        </p:txBody>
+      </p:sp>
+      <p:pic>
+        <p:nvPicPr>
+          <p:cNvPr id="4" name="Imagem 3" descr="Código QR&#10;&#10;Descrição gerada automaticamente">
+            <a:extLst>
+              <a:ext uri="{FF2B5EF4-FFF2-40B4-BE49-F238E27FC236}">
+                <a16:creationId xmlns:a16="http://schemas.microsoft.com/office/drawing/2014/main" id="{0650AF1B-C885-6AA4-D407-9B2530135E9D}"/>
+              </a:ext>
+            </a:extLst>
+          </p:cNvPr>
+          <p:cNvPicPr>
+            <a:picLocks noChangeAspect="1"/>
+          </p:cNvPicPr>
+          <p:nvPr/>
+        </p:nvPicPr>
+        <p:blipFill>
+          <a:blip r:embed="rId2" cstate="print">
+            <a:extLst>
+              <a:ext uri="{28A0092B-C50C-407E-A947-70E740481C1C}">
+                <a14:useLocalDpi xmlns:a14="http://schemas.microsoft.com/office/drawing/2010/main" val="0"/>
+              </a:ext>
+            </a:extLst>
+          </a:blip>
+          <a:stretch>
+            <a:fillRect/>
+          </a:stretch>
+        </p:blipFill>
+        <p:spPr>
+          <a:xfrm>
+            <a:off x="110262" y="5212080"/>
+            <a:ext cx="1221230" cy="1230067"/>
+          </a:xfrm>
+          <a:prstGeom prst="rect">
+            <a:avLst/>
+          </a:prstGeom>
+        </p:spPr>
+      </p:pic>
     </p:spTree>
     <p:extLst>
       <p:ext uri="{BB962C8B-B14F-4D97-AF65-F5344CB8AC3E}">
-        <p14:creationId xmlns:p14="http://schemas.microsoft.com/office/powerpoint/2010/main" val="605745257"/>
+        <p14:creationId xmlns:p14="http://schemas.microsoft.com/office/powerpoint/2010/main" val="3265606739"/>
       </p:ext>
     </p:extLst>
   </p:cSld>
@@ -4730,7 +5877,7 @@
           <p:cNvPr id="2" name="Título 1">
             <a:extLst>
               <a:ext uri="{FF2B5EF4-FFF2-40B4-BE49-F238E27FC236}">
-                <a16:creationId xmlns:a16="http://schemas.microsoft.com/office/drawing/2014/main" id="{5FCB3120-9398-352C-332D-07C0CFAF156E}"/>
+                <a16:creationId xmlns:a16="http://schemas.microsoft.com/office/drawing/2014/main" id="{53CE1CBD-F776-787D-270B-482B3F3DB6E6}"/>
               </a:ext>
             </a:extLst>
           </p:cNvPr>
@@ -4748,40 +5895,86 @@
           <a:p>
             <a:r>
               <a:rPr lang="pt-BR" dirty="0"/>
-              <a:t>4- Resultados</a:t>
-            </a:r>
-          </a:p>
-        </p:txBody>
-      </p:sp>
-      <p:sp>
-        <p:nvSpPr>
-          <p:cNvPr id="3" name="Espaço Reservado para Conteúdo 2">
+              <a:t>1- Introdução</a:t>
+            </a:r>
+          </a:p>
+        </p:txBody>
+      </p:sp>
+      <p:pic>
+        <p:nvPicPr>
+          <p:cNvPr id="6" name="Espaço Reservado para Conteúdo 5" descr="Diagrama&#10;&#10;Descrição gerada automaticamente">
             <a:extLst>
               <a:ext uri="{FF2B5EF4-FFF2-40B4-BE49-F238E27FC236}">
-                <a16:creationId xmlns:a16="http://schemas.microsoft.com/office/drawing/2014/main" id="{084534DB-526A-C916-DC1E-B0EE3F42907E}"/>
+                <a16:creationId xmlns:a16="http://schemas.microsoft.com/office/drawing/2014/main" id="{E948F019-A358-CA5D-A19B-35A2FCC97D71}"/>
               </a:ext>
             </a:extLst>
           </p:cNvPr>
-          <p:cNvSpPr>
-            <a:spLocks noGrp="1"/>
-          </p:cNvSpPr>
+          <p:cNvPicPr>
+            <a:picLocks noGrp="1" noChangeAspect="1"/>
+          </p:cNvPicPr>
           <p:nvPr>
             <p:ph idx="1"/>
           </p:nvPr>
-        </p:nvSpPr>
-        <p:spPr/>
-        <p:txBody>
-          <a:bodyPr/>
-          <a:lstStyle/>
-          <a:p>
-            <a:endParaRPr lang="pt-BR"/>
-          </a:p>
-        </p:txBody>
-      </p:sp>
+        </p:nvPicPr>
+        <p:blipFill>
+          <a:blip r:embed="rId2">
+            <a:extLst>
+              <a:ext uri="{28A0092B-C50C-407E-A947-70E740481C1C}">
+                <a14:useLocalDpi xmlns:a14="http://schemas.microsoft.com/office/drawing/2010/main" val="0"/>
+              </a:ext>
+            </a:extLst>
+          </a:blip>
+          <a:stretch>
+            <a:fillRect/>
+          </a:stretch>
+        </p:blipFill>
+        <p:spPr>
+          <a:xfrm>
+            <a:off x="3610528" y="665444"/>
+            <a:ext cx="3741993" cy="5776703"/>
+          </a:xfrm>
+        </p:spPr>
+      </p:pic>
+      <p:pic>
+        <p:nvPicPr>
+          <p:cNvPr id="4" name="Imagem 3" descr="Código QR&#10;&#10;Descrição gerada automaticamente">
+            <a:extLst>
+              <a:ext uri="{FF2B5EF4-FFF2-40B4-BE49-F238E27FC236}">
+                <a16:creationId xmlns:a16="http://schemas.microsoft.com/office/drawing/2014/main" id="{0650AF1B-C885-6AA4-D407-9B2530135E9D}"/>
+              </a:ext>
+            </a:extLst>
+          </p:cNvPr>
+          <p:cNvPicPr>
+            <a:picLocks noChangeAspect="1"/>
+          </p:cNvPicPr>
+          <p:nvPr/>
+        </p:nvPicPr>
+        <p:blipFill>
+          <a:blip r:embed="rId3" cstate="print">
+            <a:extLst>
+              <a:ext uri="{28A0092B-C50C-407E-A947-70E740481C1C}">
+                <a14:useLocalDpi xmlns:a14="http://schemas.microsoft.com/office/drawing/2010/main" val="0"/>
+              </a:ext>
+            </a:extLst>
+          </a:blip>
+          <a:stretch>
+            <a:fillRect/>
+          </a:stretch>
+        </p:blipFill>
+        <p:spPr>
+          <a:xfrm>
+            <a:off x="110262" y="5212080"/>
+            <a:ext cx="1221230" cy="1230067"/>
+          </a:xfrm>
+          <a:prstGeom prst="rect">
+            <a:avLst/>
+          </a:prstGeom>
+        </p:spPr>
+      </p:pic>
     </p:spTree>
     <p:extLst>
       <p:ext uri="{BB962C8B-B14F-4D97-AF65-F5344CB8AC3E}">
-        <p14:creationId xmlns:p14="http://schemas.microsoft.com/office/powerpoint/2010/main" val="3746469689"/>
+        <p14:creationId xmlns:p14="http://schemas.microsoft.com/office/powerpoint/2010/main" val="3094903909"/>
       </p:ext>
     </p:extLst>
   </p:cSld>
@@ -4813,7 +6006,7 @@
           <p:cNvPr id="2" name="Título 1">
             <a:extLst>
               <a:ext uri="{FF2B5EF4-FFF2-40B4-BE49-F238E27FC236}">
-                <a16:creationId xmlns:a16="http://schemas.microsoft.com/office/drawing/2014/main" id="{20438E7C-87E7-DE78-7943-15907B6E246D}"/>
+                <a16:creationId xmlns:a16="http://schemas.microsoft.com/office/drawing/2014/main" id="{53CE1CBD-F776-787D-270B-482B3F3DB6E6}"/>
               </a:ext>
             </a:extLst>
           </p:cNvPr>
@@ -4831,7 +6024,7 @@
           <a:p>
             <a:r>
               <a:rPr lang="pt-BR" dirty="0"/>
-              <a:t>5- Conclusão e Trabalhos Futuros</a:t>
+              <a:t>1- Introdução</a:t>
             </a:r>
           </a:p>
         </p:txBody>
@@ -4841,7 +6034,7 @@
           <p:cNvPr id="3" name="Espaço Reservado para Conteúdo 2">
             <a:extLst>
               <a:ext uri="{FF2B5EF4-FFF2-40B4-BE49-F238E27FC236}">
-                <a16:creationId xmlns:a16="http://schemas.microsoft.com/office/drawing/2014/main" id="{77B6892C-F1D4-81D8-1C58-EB2A0197B9B5}"/>
+                <a16:creationId xmlns:a16="http://schemas.microsoft.com/office/drawing/2014/main" id="{150E3E43-1D00-52DB-69B4-EF22AFE3E925}"/>
               </a:ext>
             </a:extLst>
           </p:cNvPr>
@@ -4857,14 +6050,63 @@
           <a:bodyPr/>
           <a:lstStyle/>
           <a:p>
-            <a:endParaRPr lang="pt-BR"/>
-          </a:p>
-        </p:txBody>
-      </p:sp>
+            <a:r>
+              <a:rPr lang="pt-BR" dirty="0"/>
+              <a:t>Conjunto de dados: </a:t>
+            </a:r>
+            <a:r>
+              <a:rPr lang="pt-BR" dirty="0">
+                <a:hlinkClick r:id="rId2"/>
+              </a:rPr>
+              <a:t>https://www.kaggle.com/datasets/berkerisen/wind-turbine-scada-dataset</a:t>
+            </a:r>
+            <a:endParaRPr lang="pt-BR" dirty="0"/>
+          </a:p>
+          <a:p>
+            <a:endParaRPr lang="pt-BR" dirty="0"/>
+          </a:p>
+        </p:txBody>
+      </p:sp>
+      <p:pic>
+        <p:nvPicPr>
+          <p:cNvPr id="4" name="Imagem 3" descr="Código QR&#10;&#10;Descrição gerada automaticamente">
+            <a:extLst>
+              <a:ext uri="{FF2B5EF4-FFF2-40B4-BE49-F238E27FC236}">
+                <a16:creationId xmlns:a16="http://schemas.microsoft.com/office/drawing/2014/main" id="{0650AF1B-C885-6AA4-D407-9B2530135E9D}"/>
+              </a:ext>
+            </a:extLst>
+          </p:cNvPr>
+          <p:cNvPicPr>
+            <a:picLocks noChangeAspect="1"/>
+          </p:cNvPicPr>
+          <p:nvPr/>
+        </p:nvPicPr>
+        <p:blipFill>
+          <a:blip r:embed="rId3" cstate="print">
+            <a:extLst>
+              <a:ext uri="{28A0092B-C50C-407E-A947-70E740481C1C}">
+                <a14:useLocalDpi xmlns:a14="http://schemas.microsoft.com/office/drawing/2010/main" val="0"/>
+              </a:ext>
+            </a:extLst>
+          </a:blip>
+          <a:stretch>
+            <a:fillRect/>
+          </a:stretch>
+        </p:blipFill>
+        <p:spPr>
+          <a:xfrm>
+            <a:off x="110262" y="5212080"/>
+            <a:ext cx="1221230" cy="1230067"/>
+          </a:xfrm>
+          <a:prstGeom prst="rect">
+            <a:avLst/>
+          </a:prstGeom>
+        </p:spPr>
+      </p:pic>
     </p:spTree>
     <p:extLst>
       <p:ext uri="{BB962C8B-B14F-4D97-AF65-F5344CB8AC3E}">
-        <p14:creationId xmlns:p14="http://schemas.microsoft.com/office/powerpoint/2010/main" val="48503678"/>
+        <p14:creationId xmlns:p14="http://schemas.microsoft.com/office/powerpoint/2010/main" val="3430124784"/>
       </p:ext>
     </p:extLst>
   </p:cSld>
